--- a/CPU Scheduling Simulator.pptx
+++ b/CPU Scheduling Simulator.pptx
@@ -108,6 +108,11 @@
       </a:defRPr>
     </a:lvl9pPr>
   </p:defaultTextStyle>
+  <p:extLst>
+    <p:ext uri="{EFAFB233-063F-42B5-8137-9DF3F51BA10A}">
+      <p15:sldGuideLst xmlns:p15="http://schemas.microsoft.com/office/powerpoint/2012/main"/>
+    </p:ext>
+  </p:extLst>
 </p:presentation>
 </file>
 
@@ -3589,7 +3594,7 @@
             </a:pPr>
             <a:r>
               <a:rPr lang="en-US" dirty="0"/>
-              <a:t> Data Structures being used are Lists, Queues, Priority Queues(Min Heaps), Objects (Hashmaps / Dictionaries), Sets.</a:t>
+              <a:t> Data Structures being used are Lists, Queues, Priority Queues.</a:t>
             </a:r>
           </a:p>
           <a:p>
